--- a/zenekeszitesFinal.pptx
+++ b/zenekeszitesFinal.pptx
@@ -3663,6 +3663,18 @@
   <p:clrMapOvr>
     <a:masterClrMapping/>
   </p:clrMapOvr>
+  <mc:AlternateContent xmlns:mc="http://schemas.openxmlformats.org/markup-compatibility/2006">
+    <mc:Choice xmlns:p159="http://schemas.microsoft.com/office/powerpoint/2015/09/main" Requires="p159">
+      <p:transition xmlns:p14="http://schemas.microsoft.com/office/powerpoint/2010/main" spd="slow" p14:dur="2000">
+        <p159:morph option="byObject"/>
+      </p:transition>
+    </mc:Choice>
+    <mc:Fallback>
+      <p:transition spd="slow">
+        <p:fade/>
+      </p:transition>
+    </mc:Fallback>
+  </mc:AlternateContent>
 </p:sld>
 </file>
 
@@ -7816,6 +7828,18 @@
   <p:clrMapOvr>
     <a:masterClrMapping/>
   </p:clrMapOvr>
+  <mc:AlternateContent xmlns:mc="http://schemas.openxmlformats.org/markup-compatibility/2006">
+    <mc:Choice xmlns:p159="http://schemas.microsoft.com/office/powerpoint/2015/09/main" Requires="p159">
+      <p:transition xmlns:p14="http://schemas.microsoft.com/office/powerpoint/2010/main" spd="slow" p14:dur="2000">
+        <p159:morph option="byObject"/>
+      </p:transition>
+    </mc:Choice>
+    <mc:Fallback>
+      <p:transition spd="slow">
+        <p:fade/>
+      </p:transition>
+    </mc:Fallback>
+  </mc:AlternateContent>
 </p:sld>
 </file>
 
@@ -9727,6 +9751,18 @@
   <p:clrMapOvr>
     <a:masterClrMapping/>
   </p:clrMapOvr>
+  <mc:AlternateContent xmlns:mc="http://schemas.openxmlformats.org/markup-compatibility/2006">
+    <mc:Choice xmlns:p159="http://schemas.microsoft.com/office/powerpoint/2015/09/main" Requires="p159">
+      <p:transition xmlns:p14="http://schemas.microsoft.com/office/powerpoint/2010/main" spd="slow" p14:dur="2000">
+        <p159:morph option="byObject"/>
+      </p:transition>
+    </mc:Choice>
+    <mc:Fallback>
+      <p:transition spd="slow">
+        <p:fade/>
+      </p:transition>
+    </mc:Fallback>
+  </mc:AlternateContent>
 </p:sld>
 </file>
 
@@ -9803,6 +9839,18 @@
   <p:clrMapOvr>
     <a:masterClrMapping/>
   </p:clrMapOvr>
+  <mc:AlternateContent xmlns:mc="http://schemas.openxmlformats.org/markup-compatibility/2006">
+    <mc:Choice xmlns:p159="http://schemas.microsoft.com/office/powerpoint/2015/09/main" Requires="p159">
+      <p:transition xmlns:p14="http://schemas.microsoft.com/office/powerpoint/2010/main" spd="slow" p14:dur="2000">
+        <p159:morph option="byObject"/>
+      </p:transition>
+    </mc:Choice>
+    <mc:Fallback>
+      <p:transition spd="slow">
+        <p:fade/>
+      </p:transition>
+    </mc:Fallback>
+  </mc:AlternateContent>
 </p:sld>
 </file>
 
